--- a/Phase 3 - Task Planner.pptx
+++ b/Phase 3 - Task Planner.pptx
@@ -14,6 +14,7 @@
     <p:sldId id="265" r:id="rId8"/>
     <p:sldId id="268" r:id="rId9"/>
     <p:sldId id="269" r:id="rId10"/>
+    <p:sldId id="274" r:id="rId11"/>
   </p:sldIdLst>
   <p:sldSz cx="12192000" cy="6858000"/>
   <p:notesSz cx="6858000" cy="9144000"/>
@@ -142,7 +143,7 @@
           <p:cNvPr id="2" name="Title 1">
             <a:extLst>
               <a:ext uri="{FF2B5EF4-FFF2-40B4-BE49-F238E27FC236}">
-                <a16:creationId xmlns:a16="http://schemas.microsoft.com/office/drawing/2014/main" id="{54622829-90E2-417A-BBEB-CBAA693110B9}"/>
+                <a16:creationId xmlns:a16="http://schemas.microsoft.com/office/drawing/2014/main" xmlns="" id="{54622829-90E2-417A-BBEB-CBAA693110B9}"/>
               </a:ext>
             </a:extLst>
           </p:cNvPr>
@@ -182,7 +183,7 @@
           <p:cNvPr id="3" name="Subtitle 2">
             <a:extLst>
               <a:ext uri="{FF2B5EF4-FFF2-40B4-BE49-F238E27FC236}">
-                <a16:creationId xmlns:a16="http://schemas.microsoft.com/office/drawing/2014/main" id="{BB1FB712-E429-4E84-8B4C-70EAC9C399D7}"/>
+                <a16:creationId xmlns:a16="http://schemas.microsoft.com/office/drawing/2014/main" xmlns="" id="{BB1FB712-E429-4E84-8B4C-70EAC9C399D7}"/>
               </a:ext>
             </a:extLst>
           </p:cNvPr>
@@ -255,7 +256,7 @@
           <p:cNvPr id="4" name="Date Placeholder 3">
             <a:extLst>
               <a:ext uri="{FF2B5EF4-FFF2-40B4-BE49-F238E27FC236}">
-                <a16:creationId xmlns:a16="http://schemas.microsoft.com/office/drawing/2014/main" id="{F879C273-DDDA-4815-AE4B-ECB77B7E0A49}"/>
+                <a16:creationId xmlns:a16="http://schemas.microsoft.com/office/drawing/2014/main" xmlns="" id="{F879C273-DDDA-4815-AE4B-ECB77B7E0A49}"/>
               </a:ext>
             </a:extLst>
           </p:cNvPr>
@@ -284,7 +285,7 @@
           <p:cNvPr id="5" name="Footer Placeholder 4">
             <a:extLst>
               <a:ext uri="{FF2B5EF4-FFF2-40B4-BE49-F238E27FC236}">
-                <a16:creationId xmlns:a16="http://schemas.microsoft.com/office/drawing/2014/main" id="{56BDFFBB-B251-4BC8-BC8F-65CE81350F88}"/>
+                <a16:creationId xmlns:a16="http://schemas.microsoft.com/office/drawing/2014/main" xmlns="" id="{56BDFFBB-B251-4BC8-BC8F-65CE81350F88}"/>
               </a:ext>
             </a:extLst>
           </p:cNvPr>
@@ -309,7 +310,7 @@
           <p:cNvPr id="6" name="Slide Number Placeholder 5">
             <a:extLst>
               <a:ext uri="{FF2B5EF4-FFF2-40B4-BE49-F238E27FC236}">
-                <a16:creationId xmlns:a16="http://schemas.microsoft.com/office/drawing/2014/main" id="{66A5AF63-3242-4117-B531-5A740D2AB96D}"/>
+                <a16:creationId xmlns:a16="http://schemas.microsoft.com/office/drawing/2014/main" xmlns="" id="{66A5AF63-3242-4117-B531-5A740D2AB96D}"/>
               </a:ext>
             </a:extLst>
           </p:cNvPr>
@@ -368,7 +369,7 @@
           <p:cNvPr id="2" name="Title 1">
             <a:extLst>
               <a:ext uri="{FF2B5EF4-FFF2-40B4-BE49-F238E27FC236}">
-                <a16:creationId xmlns:a16="http://schemas.microsoft.com/office/drawing/2014/main" id="{31FB1AEF-6421-47EC-B4D7-DB060B925928}"/>
+                <a16:creationId xmlns:a16="http://schemas.microsoft.com/office/drawing/2014/main" xmlns="" id="{31FB1AEF-6421-47EC-B4D7-DB060B925928}"/>
               </a:ext>
             </a:extLst>
           </p:cNvPr>
@@ -397,7 +398,7 @@
           <p:cNvPr id="3" name="Vertical Text Placeholder 2">
             <a:extLst>
               <a:ext uri="{FF2B5EF4-FFF2-40B4-BE49-F238E27FC236}">
-                <a16:creationId xmlns:a16="http://schemas.microsoft.com/office/drawing/2014/main" id="{BB67CA81-190B-42AB-A6B1-F9CE838D1115}"/>
+                <a16:creationId xmlns:a16="http://schemas.microsoft.com/office/drawing/2014/main" xmlns="" id="{BB67CA81-190B-42AB-A6B1-F9CE838D1115}"/>
               </a:ext>
             </a:extLst>
           </p:cNvPr>
@@ -455,7 +456,7 @@
           <p:cNvPr id="4" name="Date Placeholder 3">
             <a:extLst>
               <a:ext uri="{FF2B5EF4-FFF2-40B4-BE49-F238E27FC236}">
-                <a16:creationId xmlns:a16="http://schemas.microsoft.com/office/drawing/2014/main" id="{64B6889A-8745-409E-B06C-D82201D44F51}"/>
+                <a16:creationId xmlns:a16="http://schemas.microsoft.com/office/drawing/2014/main" xmlns="" id="{64B6889A-8745-409E-B06C-D82201D44F51}"/>
               </a:ext>
             </a:extLst>
           </p:cNvPr>
@@ -484,7 +485,7 @@
           <p:cNvPr id="5" name="Footer Placeholder 4">
             <a:extLst>
               <a:ext uri="{FF2B5EF4-FFF2-40B4-BE49-F238E27FC236}">
-                <a16:creationId xmlns:a16="http://schemas.microsoft.com/office/drawing/2014/main" id="{9D20487A-AE6B-4854-904B-04D86C1233CA}"/>
+                <a16:creationId xmlns:a16="http://schemas.microsoft.com/office/drawing/2014/main" xmlns="" id="{9D20487A-AE6B-4854-904B-04D86C1233CA}"/>
               </a:ext>
             </a:extLst>
           </p:cNvPr>
@@ -509,7 +510,7 @@
           <p:cNvPr id="6" name="Slide Number Placeholder 5">
             <a:extLst>
               <a:ext uri="{FF2B5EF4-FFF2-40B4-BE49-F238E27FC236}">
-                <a16:creationId xmlns:a16="http://schemas.microsoft.com/office/drawing/2014/main" id="{4EC702A3-F019-4A1E-B99D-1E4256292127}"/>
+                <a16:creationId xmlns:a16="http://schemas.microsoft.com/office/drawing/2014/main" xmlns="" id="{4EC702A3-F019-4A1E-B99D-1E4256292127}"/>
               </a:ext>
             </a:extLst>
           </p:cNvPr>
@@ -568,7 +569,7 @@
           <p:cNvPr id="2" name="Vertical Title 1">
             <a:extLst>
               <a:ext uri="{FF2B5EF4-FFF2-40B4-BE49-F238E27FC236}">
-                <a16:creationId xmlns:a16="http://schemas.microsoft.com/office/drawing/2014/main" id="{D8731EE7-28E8-442E-B9BB-27B2A50FDEB7}"/>
+                <a16:creationId xmlns:a16="http://schemas.microsoft.com/office/drawing/2014/main" xmlns="" id="{D8731EE7-28E8-442E-B9BB-27B2A50FDEB7}"/>
               </a:ext>
             </a:extLst>
           </p:cNvPr>
@@ -602,7 +603,7 @@
           <p:cNvPr id="3" name="Vertical Text Placeholder 2">
             <a:extLst>
               <a:ext uri="{FF2B5EF4-FFF2-40B4-BE49-F238E27FC236}">
-                <a16:creationId xmlns:a16="http://schemas.microsoft.com/office/drawing/2014/main" id="{3A233253-BB31-4DF1-910B-0D654C271654}"/>
+                <a16:creationId xmlns:a16="http://schemas.microsoft.com/office/drawing/2014/main" xmlns="" id="{3A233253-BB31-4DF1-910B-0D654C271654}"/>
               </a:ext>
             </a:extLst>
           </p:cNvPr>
@@ -665,7 +666,7 @@
           <p:cNvPr id="4" name="Date Placeholder 3">
             <a:extLst>
               <a:ext uri="{FF2B5EF4-FFF2-40B4-BE49-F238E27FC236}">
-                <a16:creationId xmlns:a16="http://schemas.microsoft.com/office/drawing/2014/main" id="{1EBBDE21-977D-42CA-806D-DAD984843946}"/>
+                <a16:creationId xmlns:a16="http://schemas.microsoft.com/office/drawing/2014/main" xmlns="" id="{1EBBDE21-977D-42CA-806D-DAD984843946}"/>
               </a:ext>
             </a:extLst>
           </p:cNvPr>
@@ -694,7 +695,7 @@
           <p:cNvPr id="5" name="Footer Placeholder 4">
             <a:extLst>
               <a:ext uri="{FF2B5EF4-FFF2-40B4-BE49-F238E27FC236}">
-                <a16:creationId xmlns:a16="http://schemas.microsoft.com/office/drawing/2014/main" id="{473B7FD8-A6CF-49DE-9C00-C132F3476ABB}"/>
+                <a16:creationId xmlns:a16="http://schemas.microsoft.com/office/drawing/2014/main" xmlns="" id="{473B7FD8-A6CF-49DE-9C00-C132F3476ABB}"/>
               </a:ext>
             </a:extLst>
           </p:cNvPr>
@@ -719,7 +720,7 @@
           <p:cNvPr id="6" name="Slide Number Placeholder 5">
             <a:extLst>
               <a:ext uri="{FF2B5EF4-FFF2-40B4-BE49-F238E27FC236}">
-                <a16:creationId xmlns:a16="http://schemas.microsoft.com/office/drawing/2014/main" id="{189618E9-3E0A-44A9-A61A-B2D11CD5D219}"/>
+                <a16:creationId xmlns:a16="http://schemas.microsoft.com/office/drawing/2014/main" xmlns="" id="{189618E9-3E0A-44A9-A61A-B2D11CD5D219}"/>
               </a:ext>
             </a:extLst>
           </p:cNvPr>
@@ -778,7 +779,7 @@
           <p:cNvPr id="2" name="Title 1">
             <a:extLst>
               <a:ext uri="{FF2B5EF4-FFF2-40B4-BE49-F238E27FC236}">
-                <a16:creationId xmlns:a16="http://schemas.microsoft.com/office/drawing/2014/main" id="{81C8009A-AC7D-4380-B5EA-D596E9A7E91E}"/>
+                <a16:creationId xmlns:a16="http://schemas.microsoft.com/office/drawing/2014/main" xmlns="" id="{81C8009A-AC7D-4380-B5EA-D596E9A7E91E}"/>
               </a:ext>
             </a:extLst>
           </p:cNvPr>
@@ -818,7 +819,7 @@
           <p:cNvPr id="3" name="Content Placeholder 2">
             <a:extLst>
               <a:ext uri="{FF2B5EF4-FFF2-40B4-BE49-F238E27FC236}">
-                <a16:creationId xmlns:a16="http://schemas.microsoft.com/office/drawing/2014/main" id="{B737CE19-4CC6-4835-B3A7-15892F9AAD84}"/>
+                <a16:creationId xmlns:a16="http://schemas.microsoft.com/office/drawing/2014/main" xmlns="" id="{B737CE19-4CC6-4835-B3A7-15892F9AAD84}"/>
               </a:ext>
             </a:extLst>
           </p:cNvPr>
@@ -902,7 +903,7 @@
           <p:cNvPr id="4" name="Date Placeholder 3">
             <a:extLst>
               <a:ext uri="{FF2B5EF4-FFF2-40B4-BE49-F238E27FC236}">
-                <a16:creationId xmlns:a16="http://schemas.microsoft.com/office/drawing/2014/main" id="{F35B8C14-E2E8-40E6-88CF-E71ABB1C343D}"/>
+                <a16:creationId xmlns:a16="http://schemas.microsoft.com/office/drawing/2014/main" xmlns="" id="{F35B8C14-E2E8-40E6-88CF-E71ABB1C343D}"/>
               </a:ext>
             </a:extLst>
           </p:cNvPr>
@@ -931,7 +932,7 @@
           <p:cNvPr id="5" name="Footer Placeholder 4">
             <a:extLst>
               <a:ext uri="{FF2B5EF4-FFF2-40B4-BE49-F238E27FC236}">
-                <a16:creationId xmlns:a16="http://schemas.microsoft.com/office/drawing/2014/main" id="{9954D1B6-A9AA-4DAB-A586-60E2A983C2A4}"/>
+                <a16:creationId xmlns:a16="http://schemas.microsoft.com/office/drawing/2014/main" xmlns="" id="{9954D1B6-A9AA-4DAB-A586-60E2A983C2A4}"/>
               </a:ext>
             </a:extLst>
           </p:cNvPr>
@@ -956,7 +957,7 @@
           <p:cNvPr id="6" name="Slide Number Placeholder 5">
             <a:extLst>
               <a:ext uri="{FF2B5EF4-FFF2-40B4-BE49-F238E27FC236}">
-                <a16:creationId xmlns:a16="http://schemas.microsoft.com/office/drawing/2014/main" id="{419340A1-24C2-4F45-BD10-769981D22B0C}"/>
+                <a16:creationId xmlns:a16="http://schemas.microsoft.com/office/drawing/2014/main" xmlns="" id="{419340A1-24C2-4F45-BD10-769981D22B0C}"/>
               </a:ext>
             </a:extLst>
           </p:cNvPr>
@@ -1015,7 +1016,7 @@
           <p:cNvPr id="2" name="Title 1">
             <a:extLst>
               <a:ext uri="{FF2B5EF4-FFF2-40B4-BE49-F238E27FC236}">
-                <a16:creationId xmlns:a16="http://schemas.microsoft.com/office/drawing/2014/main" id="{C77C284B-B636-4092-B3ED-97673410A242}"/>
+                <a16:creationId xmlns:a16="http://schemas.microsoft.com/office/drawing/2014/main" xmlns="" id="{C77C284B-B636-4092-B3ED-97673410A242}"/>
               </a:ext>
             </a:extLst>
           </p:cNvPr>
@@ -1053,7 +1054,7 @@
           <p:cNvPr id="3" name="Text Placeholder 2">
             <a:extLst>
               <a:ext uri="{FF2B5EF4-FFF2-40B4-BE49-F238E27FC236}">
-                <a16:creationId xmlns:a16="http://schemas.microsoft.com/office/drawing/2014/main" id="{534553A1-718C-430A-B2C3-4D2A4CCA78BB}"/>
+                <a16:creationId xmlns:a16="http://schemas.microsoft.com/office/drawing/2014/main" xmlns="" id="{534553A1-718C-430A-B2C3-4D2A4CCA78BB}"/>
               </a:ext>
             </a:extLst>
           </p:cNvPr>
@@ -1178,7 +1179,7 @@
           <p:cNvPr id="4" name="Date Placeholder 3">
             <a:extLst>
               <a:ext uri="{FF2B5EF4-FFF2-40B4-BE49-F238E27FC236}">
-                <a16:creationId xmlns:a16="http://schemas.microsoft.com/office/drawing/2014/main" id="{ABD28F5E-4D2B-4068-9DA0-CEC3140FF91C}"/>
+                <a16:creationId xmlns:a16="http://schemas.microsoft.com/office/drawing/2014/main" xmlns="" id="{ABD28F5E-4D2B-4068-9DA0-CEC3140FF91C}"/>
               </a:ext>
             </a:extLst>
           </p:cNvPr>
@@ -1207,7 +1208,7 @@
           <p:cNvPr id="5" name="Footer Placeholder 4">
             <a:extLst>
               <a:ext uri="{FF2B5EF4-FFF2-40B4-BE49-F238E27FC236}">
-                <a16:creationId xmlns:a16="http://schemas.microsoft.com/office/drawing/2014/main" id="{0012871D-192F-4950-ABBC-4988249C6D96}"/>
+                <a16:creationId xmlns:a16="http://schemas.microsoft.com/office/drawing/2014/main" xmlns="" id="{0012871D-192F-4950-ABBC-4988249C6D96}"/>
               </a:ext>
             </a:extLst>
           </p:cNvPr>
@@ -1232,7 +1233,7 @@
           <p:cNvPr id="6" name="Slide Number Placeholder 5">
             <a:extLst>
               <a:ext uri="{FF2B5EF4-FFF2-40B4-BE49-F238E27FC236}">
-                <a16:creationId xmlns:a16="http://schemas.microsoft.com/office/drawing/2014/main" id="{221A2A62-E406-4B58-B79E-98B2B6BE0545}"/>
+                <a16:creationId xmlns:a16="http://schemas.microsoft.com/office/drawing/2014/main" xmlns="" id="{221A2A62-E406-4B58-B79E-98B2B6BE0545}"/>
               </a:ext>
             </a:extLst>
           </p:cNvPr>
@@ -1291,7 +1292,7 @@
           <p:cNvPr id="2" name="Title 1">
             <a:extLst>
               <a:ext uri="{FF2B5EF4-FFF2-40B4-BE49-F238E27FC236}">
-                <a16:creationId xmlns:a16="http://schemas.microsoft.com/office/drawing/2014/main" id="{C28CF6E5-2115-4CED-ACEF-6BD0FEFC0D3F}"/>
+                <a16:creationId xmlns:a16="http://schemas.microsoft.com/office/drawing/2014/main" xmlns="" id="{C28CF6E5-2115-4CED-ACEF-6BD0FEFC0D3F}"/>
               </a:ext>
             </a:extLst>
           </p:cNvPr>
@@ -1320,7 +1321,7 @@
           <p:cNvPr id="3" name="Content Placeholder 2">
             <a:extLst>
               <a:ext uri="{FF2B5EF4-FFF2-40B4-BE49-F238E27FC236}">
-                <a16:creationId xmlns:a16="http://schemas.microsoft.com/office/drawing/2014/main" id="{70836914-BB97-4968-882B-F7DC30B0243F}"/>
+                <a16:creationId xmlns:a16="http://schemas.microsoft.com/office/drawing/2014/main" xmlns="" id="{70836914-BB97-4968-882B-F7DC30B0243F}"/>
               </a:ext>
             </a:extLst>
           </p:cNvPr>
@@ -1383,7 +1384,7 @@
           <p:cNvPr id="4" name="Content Placeholder 3">
             <a:extLst>
               <a:ext uri="{FF2B5EF4-FFF2-40B4-BE49-F238E27FC236}">
-                <a16:creationId xmlns:a16="http://schemas.microsoft.com/office/drawing/2014/main" id="{F26AE3F9-E17B-42FA-ADE7-6051A93AD8E4}"/>
+                <a16:creationId xmlns:a16="http://schemas.microsoft.com/office/drawing/2014/main" xmlns="" id="{F26AE3F9-E17B-42FA-ADE7-6051A93AD8E4}"/>
               </a:ext>
             </a:extLst>
           </p:cNvPr>
@@ -1446,7 +1447,7 @@
           <p:cNvPr id="5" name="Date Placeholder 4">
             <a:extLst>
               <a:ext uri="{FF2B5EF4-FFF2-40B4-BE49-F238E27FC236}">
-                <a16:creationId xmlns:a16="http://schemas.microsoft.com/office/drawing/2014/main" id="{A32A067E-93D2-4216-8EB5-0D74C241165A}"/>
+                <a16:creationId xmlns:a16="http://schemas.microsoft.com/office/drawing/2014/main" xmlns="" id="{A32A067E-93D2-4216-8EB5-0D74C241165A}"/>
               </a:ext>
             </a:extLst>
           </p:cNvPr>
@@ -1475,7 +1476,7 @@
           <p:cNvPr id="6" name="Footer Placeholder 5">
             <a:extLst>
               <a:ext uri="{FF2B5EF4-FFF2-40B4-BE49-F238E27FC236}">
-                <a16:creationId xmlns:a16="http://schemas.microsoft.com/office/drawing/2014/main" id="{B1F889E5-C8C2-492F-9894-3CF8CCE9EB4C}"/>
+                <a16:creationId xmlns:a16="http://schemas.microsoft.com/office/drawing/2014/main" xmlns="" id="{B1F889E5-C8C2-492F-9894-3CF8CCE9EB4C}"/>
               </a:ext>
             </a:extLst>
           </p:cNvPr>
@@ -1500,7 +1501,7 @@
           <p:cNvPr id="7" name="Slide Number Placeholder 6">
             <a:extLst>
               <a:ext uri="{FF2B5EF4-FFF2-40B4-BE49-F238E27FC236}">
-                <a16:creationId xmlns:a16="http://schemas.microsoft.com/office/drawing/2014/main" id="{F02926DD-19CF-4C96-B2C3-4F864348465C}"/>
+                <a16:creationId xmlns:a16="http://schemas.microsoft.com/office/drawing/2014/main" xmlns="" id="{F02926DD-19CF-4C96-B2C3-4F864348465C}"/>
               </a:ext>
             </a:extLst>
           </p:cNvPr>
@@ -1559,7 +1560,7 @@
           <p:cNvPr id="2" name="Title 1">
             <a:extLst>
               <a:ext uri="{FF2B5EF4-FFF2-40B4-BE49-F238E27FC236}">
-                <a16:creationId xmlns:a16="http://schemas.microsoft.com/office/drawing/2014/main" id="{025000CA-EC44-410C-994A-E51316C75B92}"/>
+                <a16:creationId xmlns:a16="http://schemas.microsoft.com/office/drawing/2014/main" xmlns="" id="{025000CA-EC44-410C-994A-E51316C75B92}"/>
               </a:ext>
             </a:extLst>
           </p:cNvPr>
@@ -1593,7 +1594,7 @@
           <p:cNvPr id="3" name="Text Placeholder 2">
             <a:extLst>
               <a:ext uri="{FF2B5EF4-FFF2-40B4-BE49-F238E27FC236}">
-                <a16:creationId xmlns:a16="http://schemas.microsoft.com/office/drawing/2014/main" id="{807D73A9-BFE0-4762-94FB-80D17F948DFF}"/>
+                <a16:creationId xmlns:a16="http://schemas.microsoft.com/office/drawing/2014/main" xmlns="" id="{807D73A9-BFE0-4762-94FB-80D17F948DFF}"/>
               </a:ext>
             </a:extLst>
           </p:cNvPr>
@@ -1664,7 +1665,7 @@
           <p:cNvPr id="4" name="Content Placeholder 3">
             <a:extLst>
               <a:ext uri="{FF2B5EF4-FFF2-40B4-BE49-F238E27FC236}">
-                <a16:creationId xmlns:a16="http://schemas.microsoft.com/office/drawing/2014/main" id="{A75A2762-7B09-4A24-9BD6-ACE0561B32D0}"/>
+                <a16:creationId xmlns:a16="http://schemas.microsoft.com/office/drawing/2014/main" xmlns="" id="{A75A2762-7B09-4A24-9BD6-ACE0561B32D0}"/>
               </a:ext>
             </a:extLst>
           </p:cNvPr>
@@ -1727,7 +1728,7 @@
           <p:cNvPr id="5" name="Text Placeholder 4">
             <a:extLst>
               <a:ext uri="{FF2B5EF4-FFF2-40B4-BE49-F238E27FC236}">
-                <a16:creationId xmlns:a16="http://schemas.microsoft.com/office/drawing/2014/main" id="{8724F8AB-579F-43A8-ADAA-2C2327176611}"/>
+                <a16:creationId xmlns:a16="http://schemas.microsoft.com/office/drawing/2014/main" xmlns="" id="{8724F8AB-579F-43A8-ADAA-2C2327176611}"/>
               </a:ext>
             </a:extLst>
           </p:cNvPr>
@@ -1798,7 +1799,7 @@
           <p:cNvPr id="6" name="Content Placeholder 5">
             <a:extLst>
               <a:ext uri="{FF2B5EF4-FFF2-40B4-BE49-F238E27FC236}">
-                <a16:creationId xmlns:a16="http://schemas.microsoft.com/office/drawing/2014/main" id="{A966C31B-4F3E-484C-ADF2-0BDC52BBA642}"/>
+                <a16:creationId xmlns:a16="http://schemas.microsoft.com/office/drawing/2014/main" xmlns="" id="{A966C31B-4F3E-484C-ADF2-0BDC52BBA642}"/>
               </a:ext>
             </a:extLst>
           </p:cNvPr>
@@ -1861,7 +1862,7 @@
           <p:cNvPr id="7" name="Date Placeholder 6">
             <a:extLst>
               <a:ext uri="{FF2B5EF4-FFF2-40B4-BE49-F238E27FC236}">
-                <a16:creationId xmlns:a16="http://schemas.microsoft.com/office/drawing/2014/main" id="{CA6977C0-E0A3-48B3-939E-C9B6F825D7E4}"/>
+                <a16:creationId xmlns:a16="http://schemas.microsoft.com/office/drawing/2014/main" xmlns="" id="{CA6977C0-E0A3-48B3-939E-C9B6F825D7E4}"/>
               </a:ext>
             </a:extLst>
           </p:cNvPr>
@@ -1890,7 +1891,7 @@
           <p:cNvPr id="8" name="Footer Placeholder 7">
             <a:extLst>
               <a:ext uri="{FF2B5EF4-FFF2-40B4-BE49-F238E27FC236}">
-                <a16:creationId xmlns:a16="http://schemas.microsoft.com/office/drawing/2014/main" id="{F709E788-9EAF-40B2-A675-3DB8A42AF5B1}"/>
+                <a16:creationId xmlns:a16="http://schemas.microsoft.com/office/drawing/2014/main" xmlns="" id="{F709E788-9EAF-40B2-A675-3DB8A42AF5B1}"/>
               </a:ext>
             </a:extLst>
           </p:cNvPr>
@@ -1915,7 +1916,7 @@
           <p:cNvPr id="9" name="Slide Number Placeholder 8">
             <a:extLst>
               <a:ext uri="{FF2B5EF4-FFF2-40B4-BE49-F238E27FC236}">
-                <a16:creationId xmlns:a16="http://schemas.microsoft.com/office/drawing/2014/main" id="{C0E9BB3D-BE75-47E9-9E4E-D3F49B2B50FD}"/>
+                <a16:creationId xmlns:a16="http://schemas.microsoft.com/office/drawing/2014/main" xmlns="" id="{C0E9BB3D-BE75-47E9-9E4E-D3F49B2B50FD}"/>
               </a:ext>
             </a:extLst>
           </p:cNvPr>
@@ -1974,7 +1975,7 @@
           <p:cNvPr id="2" name="Title 1">
             <a:extLst>
               <a:ext uri="{FF2B5EF4-FFF2-40B4-BE49-F238E27FC236}">
-                <a16:creationId xmlns:a16="http://schemas.microsoft.com/office/drawing/2014/main" id="{3772E1E4-2D31-4F11-816C-80DD6E08AB0B}"/>
+                <a16:creationId xmlns:a16="http://schemas.microsoft.com/office/drawing/2014/main" xmlns="" id="{3772E1E4-2D31-4F11-816C-80DD6E08AB0B}"/>
               </a:ext>
             </a:extLst>
           </p:cNvPr>
@@ -2003,7 +2004,7 @@
           <p:cNvPr id="3" name="Date Placeholder 2">
             <a:extLst>
               <a:ext uri="{FF2B5EF4-FFF2-40B4-BE49-F238E27FC236}">
-                <a16:creationId xmlns:a16="http://schemas.microsoft.com/office/drawing/2014/main" id="{47726634-1685-429A-91CE-95B7B925F2E1}"/>
+                <a16:creationId xmlns:a16="http://schemas.microsoft.com/office/drawing/2014/main" xmlns="" id="{47726634-1685-429A-91CE-95B7B925F2E1}"/>
               </a:ext>
             </a:extLst>
           </p:cNvPr>
@@ -2032,7 +2033,7 @@
           <p:cNvPr id="4" name="Footer Placeholder 3">
             <a:extLst>
               <a:ext uri="{FF2B5EF4-FFF2-40B4-BE49-F238E27FC236}">
-                <a16:creationId xmlns:a16="http://schemas.microsoft.com/office/drawing/2014/main" id="{B95E3D5B-6AD3-46AD-A6C0-777DB287E242}"/>
+                <a16:creationId xmlns:a16="http://schemas.microsoft.com/office/drawing/2014/main" xmlns="" id="{B95E3D5B-6AD3-46AD-A6C0-777DB287E242}"/>
               </a:ext>
             </a:extLst>
           </p:cNvPr>
@@ -2057,7 +2058,7 @@
           <p:cNvPr id="5" name="Slide Number Placeholder 4">
             <a:extLst>
               <a:ext uri="{FF2B5EF4-FFF2-40B4-BE49-F238E27FC236}">
-                <a16:creationId xmlns:a16="http://schemas.microsoft.com/office/drawing/2014/main" id="{208D7EF4-C5B2-4400-AFB9-BAB9F085123C}"/>
+                <a16:creationId xmlns:a16="http://schemas.microsoft.com/office/drawing/2014/main" xmlns="" id="{208D7EF4-C5B2-4400-AFB9-BAB9F085123C}"/>
               </a:ext>
             </a:extLst>
           </p:cNvPr>
@@ -2116,7 +2117,7 @@
           <p:cNvPr id="2" name="Date Placeholder 1">
             <a:extLst>
               <a:ext uri="{FF2B5EF4-FFF2-40B4-BE49-F238E27FC236}">
-                <a16:creationId xmlns:a16="http://schemas.microsoft.com/office/drawing/2014/main" id="{0EA9E50C-AF27-4FBD-AC76-5778A7152CC0}"/>
+                <a16:creationId xmlns:a16="http://schemas.microsoft.com/office/drawing/2014/main" xmlns="" id="{0EA9E50C-AF27-4FBD-AC76-5778A7152CC0}"/>
               </a:ext>
             </a:extLst>
           </p:cNvPr>
@@ -2145,7 +2146,7 @@
           <p:cNvPr id="3" name="Footer Placeholder 2">
             <a:extLst>
               <a:ext uri="{FF2B5EF4-FFF2-40B4-BE49-F238E27FC236}">
-                <a16:creationId xmlns:a16="http://schemas.microsoft.com/office/drawing/2014/main" id="{BA2665F0-1C0F-48F3-B3AB-155FB73965A8}"/>
+                <a16:creationId xmlns:a16="http://schemas.microsoft.com/office/drawing/2014/main" xmlns="" id="{BA2665F0-1C0F-48F3-B3AB-155FB73965A8}"/>
               </a:ext>
             </a:extLst>
           </p:cNvPr>
@@ -2170,7 +2171,7 @@
           <p:cNvPr id="4" name="Slide Number Placeholder 3">
             <a:extLst>
               <a:ext uri="{FF2B5EF4-FFF2-40B4-BE49-F238E27FC236}">
-                <a16:creationId xmlns:a16="http://schemas.microsoft.com/office/drawing/2014/main" id="{74323628-2DA8-4B18-BAED-8A72E53CBF1A}"/>
+                <a16:creationId xmlns:a16="http://schemas.microsoft.com/office/drawing/2014/main" xmlns="" id="{74323628-2DA8-4B18-BAED-8A72E53CBF1A}"/>
               </a:ext>
             </a:extLst>
           </p:cNvPr>
@@ -2229,7 +2230,7 @@
           <p:cNvPr id="2" name="Title 1">
             <a:extLst>
               <a:ext uri="{FF2B5EF4-FFF2-40B4-BE49-F238E27FC236}">
-                <a16:creationId xmlns:a16="http://schemas.microsoft.com/office/drawing/2014/main" id="{9B113E00-EBD5-4EAB-8880-AA69AABE184E}"/>
+                <a16:creationId xmlns:a16="http://schemas.microsoft.com/office/drawing/2014/main" xmlns="" id="{9B113E00-EBD5-4EAB-8880-AA69AABE184E}"/>
               </a:ext>
             </a:extLst>
           </p:cNvPr>
@@ -2267,7 +2268,7 @@
           <p:cNvPr id="3" name="Content Placeholder 2">
             <a:extLst>
               <a:ext uri="{FF2B5EF4-FFF2-40B4-BE49-F238E27FC236}">
-                <a16:creationId xmlns:a16="http://schemas.microsoft.com/office/drawing/2014/main" id="{099F085A-7280-4677-8C5B-8C88DF0AFDB7}"/>
+                <a16:creationId xmlns:a16="http://schemas.microsoft.com/office/drawing/2014/main" xmlns="" id="{099F085A-7280-4677-8C5B-8C88DF0AFDB7}"/>
               </a:ext>
             </a:extLst>
           </p:cNvPr>
@@ -2358,7 +2359,7 @@
           <p:cNvPr id="4" name="Text Placeholder 3">
             <a:extLst>
               <a:ext uri="{FF2B5EF4-FFF2-40B4-BE49-F238E27FC236}">
-                <a16:creationId xmlns:a16="http://schemas.microsoft.com/office/drawing/2014/main" id="{54F66ED1-EDD4-4AA4-AB1D-24EAECAB84ED}"/>
+                <a16:creationId xmlns:a16="http://schemas.microsoft.com/office/drawing/2014/main" xmlns="" id="{54F66ED1-EDD4-4AA4-AB1D-24EAECAB84ED}"/>
               </a:ext>
             </a:extLst>
           </p:cNvPr>
@@ -2429,7 +2430,7 @@
           <p:cNvPr id="5" name="Date Placeholder 4">
             <a:extLst>
               <a:ext uri="{FF2B5EF4-FFF2-40B4-BE49-F238E27FC236}">
-                <a16:creationId xmlns:a16="http://schemas.microsoft.com/office/drawing/2014/main" id="{65017DD0-9AC8-4D2B-9455-4AF791274B36}"/>
+                <a16:creationId xmlns:a16="http://schemas.microsoft.com/office/drawing/2014/main" xmlns="" id="{65017DD0-9AC8-4D2B-9455-4AF791274B36}"/>
               </a:ext>
             </a:extLst>
           </p:cNvPr>
@@ -2458,7 +2459,7 @@
           <p:cNvPr id="6" name="Footer Placeholder 5">
             <a:extLst>
               <a:ext uri="{FF2B5EF4-FFF2-40B4-BE49-F238E27FC236}">
-                <a16:creationId xmlns:a16="http://schemas.microsoft.com/office/drawing/2014/main" id="{53972142-CE1F-46EE-AF0F-C67583540B0F}"/>
+                <a16:creationId xmlns:a16="http://schemas.microsoft.com/office/drawing/2014/main" xmlns="" id="{53972142-CE1F-46EE-AF0F-C67583540B0F}"/>
               </a:ext>
             </a:extLst>
           </p:cNvPr>
@@ -2483,7 +2484,7 @@
           <p:cNvPr id="7" name="Slide Number Placeholder 6">
             <a:extLst>
               <a:ext uri="{FF2B5EF4-FFF2-40B4-BE49-F238E27FC236}">
-                <a16:creationId xmlns:a16="http://schemas.microsoft.com/office/drawing/2014/main" id="{D121EE3B-3EE0-4B9D-A7F3-5E25E5A7C01B}"/>
+                <a16:creationId xmlns:a16="http://schemas.microsoft.com/office/drawing/2014/main" xmlns="" id="{D121EE3B-3EE0-4B9D-A7F3-5E25E5A7C01B}"/>
               </a:ext>
             </a:extLst>
           </p:cNvPr>
@@ -2542,7 +2543,7 @@
           <p:cNvPr id="2" name="Title 1">
             <a:extLst>
               <a:ext uri="{FF2B5EF4-FFF2-40B4-BE49-F238E27FC236}">
-                <a16:creationId xmlns:a16="http://schemas.microsoft.com/office/drawing/2014/main" id="{7224990C-E5F0-47F2-86A7-FF82C04D3EE5}"/>
+                <a16:creationId xmlns:a16="http://schemas.microsoft.com/office/drawing/2014/main" xmlns="" id="{7224990C-E5F0-47F2-86A7-FF82C04D3EE5}"/>
               </a:ext>
             </a:extLst>
           </p:cNvPr>
@@ -2580,7 +2581,7 @@
           <p:cNvPr id="3" name="Picture Placeholder 2">
             <a:extLst>
               <a:ext uri="{FF2B5EF4-FFF2-40B4-BE49-F238E27FC236}">
-                <a16:creationId xmlns:a16="http://schemas.microsoft.com/office/drawing/2014/main" id="{18855834-D10F-4F24-AF35-3344E06B1390}"/>
+                <a16:creationId xmlns:a16="http://schemas.microsoft.com/office/drawing/2014/main" xmlns="" id="{18855834-D10F-4F24-AF35-3344E06B1390}"/>
               </a:ext>
             </a:extLst>
           </p:cNvPr>
@@ -2647,7 +2648,7 @@
           <p:cNvPr id="4" name="Text Placeholder 3">
             <a:extLst>
               <a:ext uri="{FF2B5EF4-FFF2-40B4-BE49-F238E27FC236}">
-                <a16:creationId xmlns:a16="http://schemas.microsoft.com/office/drawing/2014/main" id="{8E9E237D-928F-4473-B44F-529D76313CAF}"/>
+                <a16:creationId xmlns:a16="http://schemas.microsoft.com/office/drawing/2014/main" xmlns="" id="{8E9E237D-928F-4473-B44F-529D76313CAF}"/>
               </a:ext>
             </a:extLst>
           </p:cNvPr>
@@ -2718,7 +2719,7 @@
           <p:cNvPr id="5" name="Date Placeholder 4">
             <a:extLst>
               <a:ext uri="{FF2B5EF4-FFF2-40B4-BE49-F238E27FC236}">
-                <a16:creationId xmlns:a16="http://schemas.microsoft.com/office/drawing/2014/main" id="{EF5388CA-1113-476A-9A8F-F695E98692A8}"/>
+                <a16:creationId xmlns:a16="http://schemas.microsoft.com/office/drawing/2014/main" xmlns="" id="{EF5388CA-1113-476A-9A8F-F695E98692A8}"/>
               </a:ext>
             </a:extLst>
           </p:cNvPr>
@@ -2747,7 +2748,7 @@
           <p:cNvPr id="6" name="Footer Placeholder 5">
             <a:extLst>
               <a:ext uri="{FF2B5EF4-FFF2-40B4-BE49-F238E27FC236}">
-                <a16:creationId xmlns:a16="http://schemas.microsoft.com/office/drawing/2014/main" id="{C0C0FF00-0270-4E66-A299-B66A7DA65A54}"/>
+                <a16:creationId xmlns:a16="http://schemas.microsoft.com/office/drawing/2014/main" xmlns="" id="{C0C0FF00-0270-4E66-A299-B66A7DA65A54}"/>
               </a:ext>
             </a:extLst>
           </p:cNvPr>
@@ -2772,7 +2773,7 @@
           <p:cNvPr id="7" name="Slide Number Placeholder 6">
             <a:extLst>
               <a:ext uri="{FF2B5EF4-FFF2-40B4-BE49-F238E27FC236}">
-                <a16:creationId xmlns:a16="http://schemas.microsoft.com/office/drawing/2014/main" id="{37E2CFD9-37AA-43E4-8900-DF41DC9FBC3A}"/>
+                <a16:creationId xmlns:a16="http://schemas.microsoft.com/office/drawing/2014/main" xmlns="" id="{37E2CFD9-37AA-43E4-8900-DF41DC9FBC3A}"/>
               </a:ext>
             </a:extLst>
           </p:cNvPr>
@@ -2836,7 +2837,7 @@
           <p:cNvPr id="2" name="Title Placeholder 1">
             <a:extLst>
               <a:ext uri="{FF2B5EF4-FFF2-40B4-BE49-F238E27FC236}">
-                <a16:creationId xmlns:a16="http://schemas.microsoft.com/office/drawing/2014/main" id="{526DCAE8-598A-4EC4-87CB-8601D9DEC2CF}"/>
+                <a16:creationId xmlns:a16="http://schemas.microsoft.com/office/drawing/2014/main" xmlns="" id="{526DCAE8-598A-4EC4-87CB-8601D9DEC2CF}"/>
               </a:ext>
             </a:extLst>
           </p:cNvPr>
@@ -2875,7 +2876,7 @@
           <p:cNvPr id="3" name="Text Placeholder 2">
             <a:extLst>
               <a:ext uri="{FF2B5EF4-FFF2-40B4-BE49-F238E27FC236}">
-                <a16:creationId xmlns:a16="http://schemas.microsoft.com/office/drawing/2014/main" id="{97A3AA3D-1866-43B7-9D58-72EE24ECF240}"/>
+                <a16:creationId xmlns:a16="http://schemas.microsoft.com/office/drawing/2014/main" xmlns="" id="{97A3AA3D-1866-43B7-9D58-72EE24ECF240}"/>
               </a:ext>
             </a:extLst>
           </p:cNvPr>
@@ -2943,7 +2944,7 @@
           <p:cNvPr id="4" name="Date Placeholder 3">
             <a:extLst>
               <a:ext uri="{FF2B5EF4-FFF2-40B4-BE49-F238E27FC236}">
-                <a16:creationId xmlns:a16="http://schemas.microsoft.com/office/drawing/2014/main" id="{263EB95D-CD9C-4942-B684-E3E59C688001}"/>
+                <a16:creationId xmlns:a16="http://schemas.microsoft.com/office/drawing/2014/main" xmlns="" id="{263EB95D-CD9C-4942-B684-E3E59C688001}"/>
               </a:ext>
             </a:extLst>
           </p:cNvPr>
@@ -2990,7 +2991,7 @@
           <p:cNvPr id="5" name="Footer Placeholder 4">
             <a:extLst>
               <a:ext uri="{FF2B5EF4-FFF2-40B4-BE49-F238E27FC236}">
-                <a16:creationId xmlns:a16="http://schemas.microsoft.com/office/drawing/2014/main" id="{68742880-DA60-419C-A6BC-174100598A38}"/>
+                <a16:creationId xmlns:a16="http://schemas.microsoft.com/office/drawing/2014/main" xmlns="" id="{68742880-DA60-419C-A6BC-174100598A38}"/>
               </a:ext>
             </a:extLst>
           </p:cNvPr>
@@ -3033,7 +3034,7 @@
           <p:cNvPr id="6" name="Slide Number Placeholder 5">
             <a:extLst>
               <a:ext uri="{FF2B5EF4-FFF2-40B4-BE49-F238E27FC236}">
-                <a16:creationId xmlns:a16="http://schemas.microsoft.com/office/drawing/2014/main" id="{D99A0C76-D8FA-490F-BFB3-5D78710CC8AC}"/>
+                <a16:creationId xmlns:a16="http://schemas.microsoft.com/office/drawing/2014/main" xmlns="" id="{D99A0C76-D8FA-490F-BFB3-5D78710CC8AC}"/>
               </a:ext>
             </a:extLst>
           </p:cNvPr>
@@ -3401,7 +3402,7 @@
           <p:cNvPr id="2" name="Title 1">
             <a:extLst>
               <a:ext uri="{FF2B5EF4-FFF2-40B4-BE49-F238E27FC236}">
-                <a16:creationId xmlns:a16="http://schemas.microsoft.com/office/drawing/2014/main" id="{1B8B63F4-DE4F-4E9A-95F2-E9A93254DFDA}"/>
+                <a16:creationId xmlns:a16="http://schemas.microsoft.com/office/drawing/2014/main" xmlns="" id="{1B8B63F4-DE4F-4E9A-95F2-E9A93254DFDA}"/>
               </a:ext>
             </a:extLst>
           </p:cNvPr>
@@ -3424,6 +3425,15 @@
           </a:bodyPr>
           <a:lstStyle/>
           <a:p>
+            <a:r>
+              <a:rPr lang="en-US" dirty="0">
+                <a:solidFill>
+                  <a:srgbClr val="0070C0"/>
+                </a:solidFill>
+                <a:latin typeface="Franklin Gothic Book" panose="020B0503020102020204" pitchFamily="34" charset="0"/>
+              </a:rPr>
+              <a:t/>
+            </a:r>
             <a:br>
               <a:rPr lang="en-US" dirty="0">
                 <a:solidFill>
@@ -3455,7 +3465,7 @@
           <p:cNvPr id="3" name="Subtitle 2">
             <a:extLst>
               <a:ext uri="{FF2B5EF4-FFF2-40B4-BE49-F238E27FC236}">
-                <a16:creationId xmlns:a16="http://schemas.microsoft.com/office/drawing/2014/main" id="{63797E40-4507-406D-B626-10DAC3955480}"/>
+                <a16:creationId xmlns:a16="http://schemas.microsoft.com/office/drawing/2014/main" xmlns="" id="{63797E40-4507-406D-B626-10DAC3955480}"/>
               </a:ext>
             </a:extLst>
           </p:cNvPr>
@@ -3488,6 +3498,183 @@
     <p:extLst>
       <p:ext uri="{BB962C8B-B14F-4D97-AF65-F5344CB8AC3E}">
         <p14:creationId xmlns:p14="http://schemas.microsoft.com/office/powerpoint/2010/main" val="1864441089"/>
+      </p:ext>
+    </p:extLst>
+  </p:cSld>
+  <p:clrMapOvr>
+    <a:masterClrMapping/>
+  </p:clrMapOvr>
+</p:sld>
+</file>
+
+<file path=ppt/slides/slide10.xml><?xml version="1.0" encoding="utf-8"?>
+<p:sld xmlns:a="http://schemas.openxmlformats.org/drawingml/2006/main" xmlns:r="http://schemas.openxmlformats.org/officeDocument/2006/relationships" xmlns:p="http://schemas.openxmlformats.org/presentationml/2006/main">
+  <p:cSld>
+    <p:spTree>
+      <p:nvGrpSpPr>
+        <p:cNvPr id="1" name=""/>
+        <p:cNvGrpSpPr/>
+        <p:nvPr/>
+      </p:nvGrpSpPr>
+      <p:grpSpPr>
+        <a:xfrm>
+          <a:off x="0" y="0"/>
+          <a:ext cx="0" cy="0"/>
+          <a:chOff x="0" y="0"/>
+          <a:chExt cx="0" cy="0"/>
+        </a:xfrm>
+      </p:grpSpPr>
+      <p:sp>
+        <p:nvSpPr>
+          <p:cNvPr id="2" name="Title 1"/>
+          <p:cNvSpPr>
+            <a:spLocks noGrp="1"/>
+          </p:cNvSpPr>
+          <p:nvPr>
+            <p:ph type="title"/>
+          </p:nvPr>
+        </p:nvSpPr>
+        <p:spPr/>
+        <p:txBody>
+          <a:bodyPr/>
+          <a:lstStyle/>
+          <a:p>
+            <a:endParaRPr lang="en-IN"/>
+          </a:p>
+        </p:txBody>
+      </p:sp>
+      <p:sp>
+        <p:nvSpPr>
+          <p:cNvPr id="3" name="Content Placeholder 2"/>
+          <p:cNvSpPr>
+            <a:spLocks noGrp="1"/>
+          </p:cNvSpPr>
+          <p:nvPr>
+            <p:ph idx="1"/>
+          </p:nvPr>
+        </p:nvSpPr>
+        <p:spPr/>
+        <p:txBody>
+          <a:bodyPr>
+            <a:normAutofit fontScale="92500" lnSpcReduction="20000"/>
+          </a:bodyPr>
+          <a:lstStyle/>
+          <a:p>
+            <a:r>
+              <a:rPr lang="en-US" dirty="0"/>
+              <a:t>1. Don't use express module, use only http module, fs module, </a:t>
+            </a:r>
+            <a:r>
+              <a:rPr lang="en-US" dirty="0" err="1"/>
+              <a:t>url</a:t>
+            </a:r>
+            <a:r>
+              <a:rPr lang="en-US" dirty="0"/>
+              <a:t> module and </a:t>
+            </a:r>
+            <a:r>
+              <a:rPr lang="en-US" dirty="0" err="1"/>
+              <a:t>etc</a:t>
+            </a:r>
+            <a:endParaRPr lang="en-US" dirty="0"/>
+          </a:p>
+          <a:p>
+            <a:r>
+              <a:rPr lang="en-US" dirty="0"/>
+              <a:t>2. Don't create html files, create html content </a:t>
+            </a:r>
+            <a:r>
+              <a:rPr lang="en-US" dirty="0" err="1"/>
+              <a:t>int</a:t>
+            </a:r>
+            <a:r>
+              <a:rPr lang="en-US" dirty="0"/>
+              <a:t> he </a:t>
+            </a:r>
+            <a:r>
+              <a:rPr lang="en-US" dirty="0" err="1"/>
+              <a:t>javascript</a:t>
+            </a:r>
+            <a:r>
+              <a:rPr lang="en-US" dirty="0"/>
+              <a:t> code that is run by </a:t>
+            </a:r>
+          </a:p>
+          <a:p>
+            <a:r>
+              <a:rPr lang="en-US" dirty="0"/>
+              <a:t>    node.js</a:t>
+            </a:r>
+          </a:p>
+          <a:p>
+            <a:r>
+              <a:rPr lang="en-US" dirty="0"/>
+              <a:t>3. No angular project</a:t>
+            </a:r>
+          </a:p>
+          <a:p>
+            <a:r>
+              <a:rPr lang="en-US" dirty="0"/>
+              <a:t>4. Manually enter the unique task id</a:t>
+            </a:r>
+          </a:p>
+          <a:p>
+            <a:r>
+              <a:rPr lang="en-US" dirty="0"/>
+              <a:t>5. While deleting load the </a:t>
+            </a:r>
+            <a:r>
+              <a:rPr lang="en-US" dirty="0" err="1"/>
+              <a:t>json</a:t>
+            </a:r>
+            <a:r>
+              <a:rPr lang="en-US" dirty="0"/>
+              <a:t> data to the array and delete and write to the </a:t>
+            </a:r>
+            <a:r>
+              <a:rPr lang="en-US" dirty="0" err="1"/>
+              <a:t>json</a:t>
+            </a:r>
+            <a:r>
+              <a:rPr lang="en-US" dirty="0"/>
+              <a:t> file</a:t>
+            </a:r>
+          </a:p>
+          <a:p>
+            <a:r>
+              <a:rPr lang="en-US" dirty="0"/>
+              <a:t>6. Don't use </a:t>
+            </a:r>
+            <a:r>
+              <a:rPr lang="en-US" dirty="0" err="1"/>
+              <a:t>json</a:t>
+            </a:r>
+            <a:r>
+              <a:rPr lang="en-US" dirty="0"/>
+              <a:t>-server, use node.js 'fs' module to modify the </a:t>
+            </a:r>
+            <a:r>
+              <a:rPr lang="en-US" dirty="0" err="1"/>
+              <a:t>json</a:t>
+            </a:r>
+            <a:r>
+              <a:rPr lang="en-US" dirty="0"/>
+              <a:t> file</a:t>
+            </a:r>
+          </a:p>
+          <a:p>
+            <a:r>
+              <a:rPr lang="en-US" dirty="0"/>
+              <a:t>7. Old tasks must also be present in the JSON unless its not deleted</a:t>
+            </a:r>
+            <a:endParaRPr lang="en-IN" dirty="0"/>
+          </a:p>
+        </p:txBody>
+      </p:sp>
+    </p:spTree>
+    <p:extLst>
+      <p:ext uri="{BB962C8B-B14F-4D97-AF65-F5344CB8AC3E}">
+        <p14:creationId xmlns:p14="http://schemas.microsoft.com/office/powerpoint/2010/main" val="611604376"/>
       </p:ext>
     </p:extLst>
   </p:cSld>
@@ -3519,7 +3706,7 @@
           <p:cNvPr id="2" name="Title 1">
             <a:extLst>
               <a:ext uri="{FF2B5EF4-FFF2-40B4-BE49-F238E27FC236}">
-                <a16:creationId xmlns:a16="http://schemas.microsoft.com/office/drawing/2014/main" id="{552352E5-854A-4E6B-9325-79D35A960040}"/>
+                <a16:creationId xmlns:a16="http://schemas.microsoft.com/office/drawing/2014/main" xmlns="" id="{552352E5-854A-4E6B-9325-79D35A960040}"/>
               </a:ext>
             </a:extLst>
           </p:cNvPr>
@@ -3552,7 +3739,7 @@
           <p:cNvPr id="3" name="Content Placeholder 2">
             <a:extLst>
               <a:ext uri="{FF2B5EF4-FFF2-40B4-BE49-F238E27FC236}">
-                <a16:creationId xmlns:a16="http://schemas.microsoft.com/office/drawing/2014/main" id="{4788CF3F-E049-40E9-A8C1-869E17A465A6}"/>
+                <a16:creationId xmlns:a16="http://schemas.microsoft.com/office/drawing/2014/main" xmlns="" id="{4788CF3F-E049-40E9-A8C1-869E17A465A6}"/>
               </a:ext>
             </a:extLst>
           </p:cNvPr>
@@ -3600,7 +3787,7 @@
           <p:cNvPr id="5" name="Picture 4">
             <a:extLst>
               <a:ext uri="{FF2B5EF4-FFF2-40B4-BE49-F238E27FC236}">
-                <a16:creationId xmlns:a16="http://schemas.microsoft.com/office/drawing/2014/main" id="{A001C766-E433-4233-AFFB-4A933F5210E4}"/>
+                <a16:creationId xmlns:a16="http://schemas.microsoft.com/office/drawing/2014/main" xmlns="" id="{A001C766-E433-4233-AFFB-4A933F5210E4}"/>
               </a:ext>
             </a:extLst>
           </p:cNvPr>
@@ -3660,7 +3847,7 @@
           <p:cNvPr id="2" name="Title 1">
             <a:extLst>
               <a:ext uri="{FF2B5EF4-FFF2-40B4-BE49-F238E27FC236}">
-                <a16:creationId xmlns:a16="http://schemas.microsoft.com/office/drawing/2014/main" id="{F4369125-DADA-45D8-9765-434CC9C01ED7}"/>
+                <a16:creationId xmlns:a16="http://schemas.microsoft.com/office/drawing/2014/main" xmlns="" id="{F4369125-DADA-45D8-9765-434CC9C01ED7}"/>
               </a:ext>
             </a:extLst>
           </p:cNvPr>
@@ -3688,7 +3875,7 @@
           <p:cNvPr id="6" name="Picture 5">
             <a:extLst>
               <a:ext uri="{FF2B5EF4-FFF2-40B4-BE49-F238E27FC236}">
-                <a16:creationId xmlns:a16="http://schemas.microsoft.com/office/drawing/2014/main" id="{DF737595-F5B2-490D-9598-D21EA088C3E6}"/>
+                <a16:creationId xmlns:a16="http://schemas.microsoft.com/office/drawing/2014/main" xmlns="" id="{DF737595-F5B2-490D-9598-D21EA088C3E6}"/>
               </a:ext>
             </a:extLst>
           </p:cNvPr>
@@ -3748,7 +3935,7 @@
           <p:cNvPr id="2" name="Title 1">
             <a:extLst>
               <a:ext uri="{FF2B5EF4-FFF2-40B4-BE49-F238E27FC236}">
-                <a16:creationId xmlns:a16="http://schemas.microsoft.com/office/drawing/2014/main" id="{03D60231-5492-4FDE-999D-195829D8C37C}"/>
+                <a16:creationId xmlns:a16="http://schemas.microsoft.com/office/drawing/2014/main" xmlns="" id="{03D60231-5492-4FDE-999D-195829D8C37C}"/>
               </a:ext>
             </a:extLst>
           </p:cNvPr>
@@ -3776,7 +3963,7 @@
           <p:cNvPr id="3" name="Content Placeholder 2">
             <a:extLst>
               <a:ext uri="{FF2B5EF4-FFF2-40B4-BE49-F238E27FC236}">
-                <a16:creationId xmlns:a16="http://schemas.microsoft.com/office/drawing/2014/main" id="{28E6A85E-1FAF-46EB-AEA2-F811E2697F42}"/>
+                <a16:creationId xmlns:a16="http://schemas.microsoft.com/office/drawing/2014/main" xmlns="" id="{28E6A85E-1FAF-46EB-AEA2-F811E2697F42}"/>
               </a:ext>
             </a:extLst>
           </p:cNvPr>
@@ -3907,7 +4094,7 @@
           <p:cNvPr id="2" name="Title 1">
             <a:extLst>
               <a:ext uri="{FF2B5EF4-FFF2-40B4-BE49-F238E27FC236}">
-                <a16:creationId xmlns:a16="http://schemas.microsoft.com/office/drawing/2014/main" id="{03D60231-5492-4FDE-999D-195829D8C37C}"/>
+                <a16:creationId xmlns:a16="http://schemas.microsoft.com/office/drawing/2014/main" xmlns="" id="{03D60231-5492-4FDE-999D-195829D8C37C}"/>
               </a:ext>
             </a:extLst>
           </p:cNvPr>
@@ -3935,7 +4122,7 @@
           <p:cNvPr id="3" name="Content Placeholder 2">
             <a:extLst>
               <a:ext uri="{FF2B5EF4-FFF2-40B4-BE49-F238E27FC236}">
-                <a16:creationId xmlns:a16="http://schemas.microsoft.com/office/drawing/2014/main" id="{28E6A85E-1FAF-46EB-AEA2-F811E2697F42}"/>
+                <a16:creationId xmlns:a16="http://schemas.microsoft.com/office/drawing/2014/main" xmlns="" id="{28E6A85E-1FAF-46EB-AEA2-F811E2697F42}"/>
               </a:ext>
             </a:extLst>
           </p:cNvPr>
@@ -4013,7 +4200,7 @@
           <p:cNvPr id="2" name="Title 1">
             <a:extLst>
               <a:ext uri="{FF2B5EF4-FFF2-40B4-BE49-F238E27FC236}">
-                <a16:creationId xmlns:a16="http://schemas.microsoft.com/office/drawing/2014/main" id="{AD0F95BB-7DD3-4F71-BE46-BC2AC863E501}"/>
+                <a16:creationId xmlns:a16="http://schemas.microsoft.com/office/drawing/2014/main" xmlns="" id="{AD0F95BB-7DD3-4F71-BE46-BC2AC863E501}"/>
               </a:ext>
             </a:extLst>
           </p:cNvPr>
@@ -4041,7 +4228,7 @@
           <p:cNvPr id="3" name="Content Placeholder 2">
             <a:extLst>
               <a:ext uri="{FF2B5EF4-FFF2-40B4-BE49-F238E27FC236}">
-                <a16:creationId xmlns:a16="http://schemas.microsoft.com/office/drawing/2014/main" id="{8E4923B7-F5CB-44B1-BDB3-3407B42903BD}"/>
+                <a16:creationId xmlns:a16="http://schemas.microsoft.com/office/drawing/2014/main" xmlns="" id="{8E4923B7-F5CB-44B1-BDB3-3407B42903BD}"/>
               </a:ext>
             </a:extLst>
           </p:cNvPr>
@@ -4197,7 +4384,7 @@
           <p:cNvPr id="2" name="Title 1">
             <a:extLst>
               <a:ext uri="{FF2B5EF4-FFF2-40B4-BE49-F238E27FC236}">
-                <a16:creationId xmlns:a16="http://schemas.microsoft.com/office/drawing/2014/main" id="{AD0F95BB-7DD3-4F71-BE46-BC2AC863E501}"/>
+                <a16:creationId xmlns:a16="http://schemas.microsoft.com/office/drawing/2014/main" xmlns="" id="{AD0F95BB-7DD3-4F71-BE46-BC2AC863E501}"/>
               </a:ext>
             </a:extLst>
           </p:cNvPr>
@@ -4225,7 +4412,7 @@
           <p:cNvPr id="3" name="Content Placeholder 2">
             <a:extLst>
               <a:ext uri="{FF2B5EF4-FFF2-40B4-BE49-F238E27FC236}">
-                <a16:creationId xmlns:a16="http://schemas.microsoft.com/office/drawing/2014/main" id="{8E4923B7-F5CB-44B1-BDB3-3407B42903BD}"/>
+                <a16:creationId xmlns:a16="http://schemas.microsoft.com/office/drawing/2014/main" xmlns="" id="{8E4923B7-F5CB-44B1-BDB3-3407B42903BD}"/>
               </a:ext>
             </a:extLst>
           </p:cNvPr>
@@ -4413,7 +4600,7 @@
           <p:cNvPr id="2" name="Title 1">
             <a:extLst>
               <a:ext uri="{FF2B5EF4-FFF2-40B4-BE49-F238E27FC236}">
-                <a16:creationId xmlns:a16="http://schemas.microsoft.com/office/drawing/2014/main" id="{66169877-D7B6-4593-A65F-C7B91D73C82D}"/>
+                <a16:creationId xmlns:a16="http://schemas.microsoft.com/office/drawing/2014/main" xmlns="" id="{66169877-D7B6-4593-A65F-C7B91D73C82D}"/>
               </a:ext>
             </a:extLst>
           </p:cNvPr>
@@ -4441,7 +4628,7 @@
           <p:cNvPr id="3" name="Content Placeholder 2">
             <a:extLst>
               <a:ext uri="{FF2B5EF4-FFF2-40B4-BE49-F238E27FC236}">
-                <a16:creationId xmlns:a16="http://schemas.microsoft.com/office/drawing/2014/main" id="{C491ADA8-CAA3-4929-BF15-E0D64723E6FC}"/>
+                <a16:creationId xmlns:a16="http://schemas.microsoft.com/office/drawing/2014/main" xmlns="" id="{C491ADA8-CAA3-4929-BF15-E0D64723E6FC}"/>
               </a:ext>
             </a:extLst>
           </p:cNvPr>
@@ -4553,7 +4740,7 @@
           <p:cNvPr id="7" name="Picture 6">
             <a:extLst>
               <a:ext uri="{FF2B5EF4-FFF2-40B4-BE49-F238E27FC236}">
-                <a16:creationId xmlns:a16="http://schemas.microsoft.com/office/drawing/2014/main" id="{420A2875-BBD9-4E60-BC51-9CE11EC2B495}"/>
+                <a16:creationId xmlns:a16="http://schemas.microsoft.com/office/drawing/2014/main" xmlns="" id="{420A2875-BBD9-4E60-BC51-9CE11EC2B495}"/>
               </a:ext>
             </a:extLst>
           </p:cNvPr>
@@ -4613,7 +4800,7 @@
           <p:cNvPr id="2" name="Title 1">
             <a:extLst>
               <a:ext uri="{FF2B5EF4-FFF2-40B4-BE49-F238E27FC236}">
-                <a16:creationId xmlns:a16="http://schemas.microsoft.com/office/drawing/2014/main" id="{A35718BE-EB89-49B5-9366-105B352D44E9}"/>
+                <a16:creationId xmlns:a16="http://schemas.microsoft.com/office/drawing/2014/main" xmlns="" id="{A35718BE-EB89-49B5-9366-105B352D44E9}"/>
               </a:ext>
             </a:extLst>
           </p:cNvPr>
@@ -4677,7 +4864,7 @@
           <p:cNvPr id="3" name="Content Placeholder 2">
             <a:extLst>
               <a:ext uri="{FF2B5EF4-FFF2-40B4-BE49-F238E27FC236}">
-                <a16:creationId xmlns:a16="http://schemas.microsoft.com/office/drawing/2014/main" id="{E3D0FF98-39CC-4ACD-97AE-9972759CC20E}"/>
+                <a16:creationId xmlns:a16="http://schemas.microsoft.com/office/drawing/2014/main" xmlns="" id="{E3D0FF98-39CC-4ACD-97AE-9972759CC20E}"/>
               </a:ext>
             </a:extLst>
           </p:cNvPr>
@@ -4835,7 +5022,7 @@
           <p:cNvPr id="5" name="Picture 4">
             <a:extLst>
               <a:ext uri="{FF2B5EF4-FFF2-40B4-BE49-F238E27FC236}">
-                <a16:creationId xmlns:a16="http://schemas.microsoft.com/office/drawing/2014/main" id="{A3296B68-A23E-4BCC-9302-4BF55E92B8D3}"/>
+                <a16:creationId xmlns:a16="http://schemas.microsoft.com/office/drawing/2014/main" xmlns="" id="{A3296B68-A23E-4BCC-9302-4BF55E92B8D3}"/>
               </a:ext>
             </a:extLst>
           </p:cNvPr>
